--- a/Project_3_Presentation_Deck.pptx
+++ b/Project_3_Presentation_Deck.pptx
@@ -7834,7 +7834,7 @@
             </a:pPr>
             <a:r>
               <a:rPr lang="en-US" dirty="0"/>
-              <a:t>Between 1960 - 2018, which ten-year timeline holds the most sports titles? </a:t>
+              <a:t>Between 1958 - 2018, which ten-year timeline holds the most sports titles? </a:t>
             </a:r>
             <a:endParaRPr lang="en-CA" dirty="0"/>
           </a:p>

--- a/Project_3_Presentation_Deck.pptx
+++ b/Project_3_Presentation_Deck.pptx
@@ -911,7 +911,42 @@
               </a:spcAft>
               <a:buNone/>
             </a:pPr>
-            <a:endParaRPr/>
+            <a:r>
+              <a:rPr lang="en-US" dirty="0" err="1"/>
+              <a:t>Mlb</a:t>
+            </a:r>
+            <a:r>
+              <a:rPr lang="en-US" dirty="0"/>
+              <a:t> 1994 no world series / playoffs due to players strike</a:t>
+            </a:r>
+          </a:p>
+          <a:p>
+            <a:pPr marL="0" lvl="0" indent="0" algn="l" rtl="0">
+              <a:spcBef>
+                <a:spcPts val="0"/>
+              </a:spcBef>
+              <a:spcAft>
+                <a:spcPts val="0"/>
+              </a:spcAft>
+              <a:buNone/>
+            </a:pPr>
+            <a:r>
+              <a:rPr lang="en-US" dirty="0" err="1"/>
+              <a:t>Nhl</a:t>
+            </a:r>
+            <a:r>
+              <a:rPr lang="en-US" dirty="0"/>
+              <a:t> 2004 no </a:t>
+            </a:r>
+            <a:r>
+              <a:rPr lang="en-US" dirty="0" err="1"/>
+              <a:t>stanley</a:t>
+            </a:r>
+            <a:r>
+              <a:rPr lang="en-US" dirty="0"/>
+              <a:t> cup final lock out </a:t>
+            </a:r>
+            <a:endParaRPr dirty="0"/>
           </a:p>
         </p:txBody>
       </p:sp>
@@ -7875,10 +7910,10 @@
               <a:buNone/>
             </a:pPr>
             <a:r>
-              <a:rPr lang="en-CA" sz="2100" dirty="0"/>
+              <a:rPr lang="en-CA" sz="1400" dirty="0"/>
               <a:t>Why was this question important?</a:t>
             </a:r>
-            <a:endParaRPr sz="2100" dirty="0"/>
+            <a:endParaRPr sz="1400" dirty="0"/>
           </a:p>
           <a:p>
             <a:pPr marL="457200" lvl="0" indent="-317500" algn="l" rtl="0">
@@ -7893,7 +7928,11 @@
             </a:pPr>
             <a:r>
               <a:rPr lang="en" sz="1400" dirty="0"/>
-              <a:t>…..</a:t>
+              <a:t>Some years did not have a</a:t>
+            </a:r>
+            <a:r>
+              <a:rPr lang="en-CA" sz="1400" dirty="0"/>
+              <a:t> champion  raised</a:t>
             </a:r>
           </a:p>
           <a:p>
@@ -7907,7 +7946,39 @@
               <a:buSzPts val="1400"/>
               <a:buChar char="●"/>
             </a:pPr>
-            <a:endParaRPr sz="1600" dirty="0"/>
+            <a:r>
+              <a:rPr lang="en-CA" sz="1400" dirty="0"/>
+              <a:t>New sport was created (MLS in 1993) </a:t>
+            </a:r>
+          </a:p>
+          <a:p>
+            <a:pPr marL="457200" lvl="0" indent="-317500" algn="l" rtl="0">
+              <a:spcBef>
+                <a:spcPts val="1600"/>
+              </a:spcBef>
+              <a:spcAft>
+                <a:spcPts val="0"/>
+              </a:spcAft>
+              <a:buSzPts val="1400"/>
+              <a:buChar char="●"/>
+            </a:pPr>
+            <a:r>
+              <a:rPr lang="en-CA" sz="1400" dirty="0"/>
+              <a:t>Can see the state that did better in a ten years </a:t>
+            </a:r>
+          </a:p>
+          <a:p>
+            <a:pPr marL="139700" lvl="0" indent="0" algn="l" rtl="0">
+              <a:spcBef>
+                <a:spcPts val="1600"/>
+              </a:spcBef>
+              <a:spcAft>
+                <a:spcPts val="0"/>
+              </a:spcAft>
+              <a:buSzPts val="1400"/>
+              <a:buNone/>
+            </a:pPr>
+            <a:endParaRPr sz="1400" dirty="0"/>
           </a:p>
           <a:p>
             <a:pPr marL="0" lvl="0" indent="0" algn="l" rtl="0">
@@ -7920,7 +7991,7 @@
               <a:buNone/>
             </a:pPr>
             <a:r>
-              <a:rPr lang="en-US" sz="2100" dirty="0"/>
+              <a:rPr lang="en-US" sz="1400" dirty="0"/>
               <a:t>Results from analysis and visuals:</a:t>
             </a:r>
           </a:p>
@@ -7937,9 +8008,8 @@
             </a:pPr>
             <a:r>
               <a:rPr lang="en-US" sz="1400" dirty="0"/>
-              <a:t>…..</a:t>
+              <a:t> two outliers when one sport did not have a champion</a:t>
             </a:r>
-            <a:endParaRPr lang="en-US" sz="1600" dirty="0"/>
           </a:p>
           <a:p>
             <a:pPr marL="342900">
@@ -7971,6 +8041,66 @@
           </a:p>
         </p:txBody>
       </p:sp>
+      <p:pic>
+        <p:nvPicPr>
+          <p:cNvPr id="3" name="Picture 2" descr="A screenshot of a computer&#10;&#10;Description automatically generated">
+            <a:extLst>
+              <a:ext uri="{FF2B5EF4-FFF2-40B4-BE49-F238E27FC236}">
+                <a16:creationId xmlns:a16="http://schemas.microsoft.com/office/drawing/2014/main" id="{C87E3040-684F-334F-35CC-88767E6A0FC2}"/>
+              </a:ext>
+            </a:extLst>
+          </p:cNvPr>
+          <p:cNvPicPr>
+            <a:picLocks noChangeAspect="1"/>
+          </p:cNvPicPr>
+          <p:nvPr/>
+        </p:nvPicPr>
+        <p:blipFill>
+          <a:blip r:embed="rId3"/>
+          <a:stretch>
+            <a:fillRect/>
+          </a:stretch>
+        </p:blipFill>
+        <p:spPr>
+          <a:xfrm>
+            <a:off x="5052799" y="776452"/>
+            <a:ext cx="3945401" cy="2031701"/>
+          </a:xfrm>
+          <a:prstGeom prst="rect">
+            <a:avLst/>
+          </a:prstGeom>
+        </p:spPr>
+      </p:pic>
+      <p:pic>
+        <p:nvPicPr>
+          <p:cNvPr id="5" name="Picture 4" descr="A screenshot of a computer&#10;&#10;Description automatically generated">
+            <a:extLst>
+              <a:ext uri="{FF2B5EF4-FFF2-40B4-BE49-F238E27FC236}">
+                <a16:creationId xmlns:a16="http://schemas.microsoft.com/office/drawing/2014/main" id="{BD9E4B0F-8E9F-D9E5-8B0A-9AA31D24EF24}"/>
+              </a:ext>
+            </a:extLst>
+          </p:cNvPr>
+          <p:cNvPicPr>
+            <a:picLocks noChangeAspect="1"/>
+          </p:cNvPicPr>
+          <p:nvPr/>
+        </p:nvPicPr>
+        <p:blipFill>
+          <a:blip r:embed="rId4"/>
+          <a:stretch>
+            <a:fillRect/>
+          </a:stretch>
+        </p:blipFill>
+        <p:spPr>
+          <a:xfrm>
+            <a:off x="5597301" y="2903450"/>
+            <a:ext cx="3400899" cy="1971950"/>
+          </a:xfrm>
+          <a:prstGeom prst="rect">
+            <a:avLst/>
+          </a:prstGeom>
+        </p:spPr>
+      </p:pic>
     </p:spTree>
   </p:cSld>
   <p:clrMapOvr>
@@ -8089,8 +8219,24 @@
               <a:buChar char="●"/>
             </a:pPr>
             <a:r>
-              <a:rPr lang="en-US" sz="1400" dirty="0"/>
-              <a:t>…..</a:t>
+              <a:rPr lang="en-US" sz="1600" dirty="0"/>
+              <a:t>It shows which state won the most</a:t>
+            </a:r>
+          </a:p>
+          <a:p>
+            <a:pPr marL="457200" lvl="0" indent="-317500" algn="l" rtl="0">
+              <a:spcBef>
+                <a:spcPts val="1600"/>
+              </a:spcBef>
+              <a:spcAft>
+                <a:spcPts val="0"/>
+              </a:spcAft>
+              <a:buSzPts val="1400"/>
+              <a:buChar char="●"/>
+            </a:pPr>
+            <a:r>
+              <a:rPr lang="en-US" sz="1600" dirty="0"/>
+              <a:t>Gives a break down on each sport </a:t>
             </a:r>
           </a:p>
           <a:p>
@@ -8133,10 +8279,25 @@
               <a:buChar char="●"/>
             </a:pPr>
             <a:r>
-              <a:rPr lang="en-US" sz="1400" dirty="0"/>
-              <a:t>…..</a:t>
+              <a:rPr lang="en-US" sz="1600" dirty="0"/>
+              <a:t>5 NBA titles , 3 MLS titles , 2 NHL titles</a:t>
             </a:r>
-            <a:endParaRPr lang="en-US" sz="1600" dirty="0"/>
+          </a:p>
+          <a:p>
+            <a:pPr marL="457200" lvl="0" indent="-317500" algn="l" rtl="0">
+              <a:spcBef>
+                <a:spcPts val="1600"/>
+              </a:spcBef>
+              <a:spcAft>
+                <a:spcPts val="0"/>
+              </a:spcAft>
+              <a:buSzPts val="1400"/>
+              <a:buChar char="●"/>
+            </a:pPr>
+            <a:r>
+              <a:rPr lang="en-US" sz="1600" dirty="0"/>
+              <a:t>3 MLB tiles Totaling 13 </a:t>
+            </a:r>
           </a:p>
           <a:p>
             <a:pPr marL="342900">
@@ -8160,6 +8321,66 @@
           </a:p>
         </p:txBody>
       </p:sp>
+      <p:pic>
+        <p:nvPicPr>
+          <p:cNvPr id="3" name="Picture 2" descr="A screenshot of a graph&#10;&#10;Description automatically generated">
+            <a:extLst>
+              <a:ext uri="{FF2B5EF4-FFF2-40B4-BE49-F238E27FC236}">
+                <a16:creationId xmlns:a16="http://schemas.microsoft.com/office/drawing/2014/main" id="{C06F89BA-C14F-480E-EFAC-A6F2591B5FC2}"/>
+              </a:ext>
+            </a:extLst>
+          </p:cNvPr>
+          <p:cNvPicPr>
+            <a:picLocks noChangeAspect="1"/>
+          </p:cNvPicPr>
+          <p:nvPr/>
+        </p:nvPicPr>
+        <p:blipFill>
+          <a:blip r:embed="rId3"/>
+          <a:stretch>
+            <a:fillRect/>
+          </a:stretch>
+        </p:blipFill>
+        <p:spPr>
+          <a:xfrm>
+            <a:off x="4586288" y="1202728"/>
+            <a:ext cx="4557712" cy="1577520"/>
+          </a:xfrm>
+          <a:prstGeom prst="rect">
+            <a:avLst/>
+          </a:prstGeom>
+        </p:spPr>
+      </p:pic>
+      <p:pic>
+        <p:nvPicPr>
+          <p:cNvPr id="5" name="Picture 4" descr="A blue circle with a graph&#10;&#10;Description automatically generated">
+            <a:extLst>
+              <a:ext uri="{FF2B5EF4-FFF2-40B4-BE49-F238E27FC236}">
+                <a16:creationId xmlns:a16="http://schemas.microsoft.com/office/drawing/2014/main" id="{FD828A23-D22E-F25E-F3C5-76BA9BFA5ECA}"/>
+              </a:ext>
+            </a:extLst>
+          </p:cNvPr>
+          <p:cNvPicPr>
+            <a:picLocks noChangeAspect="1"/>
+          </p:cNvPicPr>
+          <p:nvPr/>
+        </p:nvPicPr>
+        <p:blipFill>
+          <a:blip r:embed="rId4"/>
+          <a:stretch>
+            <a:fillRect/>
+          </a:stretch>
+        </p:blipFill>
+        <p:spPr>
+          <a:xfrm>
+            <a:off x="4463346" y="3259257"/>
+            <a:ext cx="4680654" cy="1283405"/>
+          </a:xfrm>
+          <a:prstGeom prst="rect">
+            <a:avLst/>
+          </a:prstGeom>
+        </p:spPr>
+      </p:pic>
     </p:spTree>
     <p:extLst>
       <p:ext uri="{BB962C8B-B14F-4D97-AF65-F5344CB8AC3E}">
@@ -8283,7 +8504,23 @@
             </a:pPr>
             <a:r>
               <a:rPr lang="en-US" sz="1400" dirty="0"/>
-              <a:t>…..</a:t>
+              <a:t>Can show which city won the most in a ten years</a:t>
+            </a:r>
+          </a:p>
+          <a:p>
+            <a:pPr marL="457200" lvl="0" indent="-317500" algn="l" rtl="0">
+              <a:spcBef>
+                <a:spcPts val="1600"/>
+              </a:spcBef>
+              <a:spcAft>
+                <a:spcPts val="0"/>
+              </a:spcAft>
+              <a:buSzPts val="1400"/>
+              <a:buChar char="●"/>
+            </a:pPr>
+            <a:r>
+              <a:rPr lang="en-US" sz="1400" dirty="0"/>
+              <a:t>Show a way to the best team in a decade </a:t>
             </a:r>
           </a:p>
           <a:p>
@@ -8327,7 +8564,27 @@
             </a:pPr>
             <a:r>
               <a:rPr lang="en-US" sz="1400" dirty="0"/>
-              <a:t>…..</a:t>
+              <a:t>Los Angeles won 7 (2 lakers , 2 Kings ,  3 Galaxy)</a:t>
+            </a:r>
+          </a:p>
+          <a:p>
+            <a:pPr marL="457200" lvl="0" indent="-317500" algn="l" rtl="0">
+              <a:spcBef>
+                <a:spcPts val="1600"/>
+              </a:spcBef>
+              <a:spcAft>
+                <a:spcPts val="0"/>
+              </a:spcAft>
+              <a:buSzPts val="1400"/>
+              <a:buChar char="●"/>
+            </a:pPr>
+            <a:r>
+              <a:rPr lang="en-US" sz="1400" dirty="0"/>
+              <a:t>San Francois won 6 (3 Giants </a:t>
+            </a:r>
+            <a:r>
+              <a:rPr lang="en-US" sz="1400"/>
+              <a:t>, 3Warriors)</a:t>
             </a:r>
             <a:endParaRPr lang="en-US" sz="1600" dirty="0"/>
           </a:p>
@@ -8353,6 +8610,36 @@
           </a:p>
         </p:txBody>
       </p:sp>
+      <p:pic>
+        <p:nvPicPr>
+          <p:cNvPr id="3" name="Picture 2" descr="A blue rectangular object with black text&#10;&#10;Description automatically generated with medium confidence">
+            <a:extLst>
+              <a:ext uri="{FF2B5EF4-FFF2-40B4-BE49-F238E27FC236}">
+                <a16:creationId xmlns:a16="http://schemas.microsoft.com/office/drawing/2014/main" id="{91667067-FCC8-F9B4-CDD7-A5DFF827121A}"/>
+              </a:ext>
+            </a:extLst>
+          </p:cNvPr>
+          <p:cNvPicPr>
+            <a:picLocks noChangeAspect="1"/>
+          </p:cNvPicPr>
+          <p:nvPr/>
+        </p:nvPicPr>
+        <p:blipFill>
+          <a:blip r:embed="rId3"/>
+          <a:stretch>
+            <a:fillRect/>
+          </a:stretch>
+        </p:blipFill>
+        <p:spPr>
+          <a:xfrm>
+            <a:off x="4719093" y="1670733"/>
+            <a:ext cx="4229101" cy="2015349"/>
+          </a:xfrm>
+          <a:prstGeom prst="rect">
+            <a:avLst/>
+          </a:prstGeom>
+        </p:spPr>
+      </p:pic>
     </p:spTree>
     <p:extLst>
       <p:ext uri="{BB962C8B-B14F-4D97-AF65-F5344CB8AC3E}">

--- a/Project_3_Presentation_Deck.pptx
+++ b/Project_3_Presentation_Deck.pptx
@@ -7715,7 +7715,7 @@
             </a:pPr>
             <a:r>
               <a:rPr lang="en-US" sz="1600" dirty="0"/>
-              <a:t>Between 1960 - 2018, which ten-year timeline holds the most sports titles?</a:t>
+              <a:t>Between 1958 - 2018, which ten-year timeline holds the most sports titles?</a:t>
             </a:r>
           </a:p>
           <a:p>
@@ -8564,7 +8564,15 @@
             </a:pPr>
             <a:r>
               <a:rPr lang="en-US" sz="1400" dirty="0"/>
-              <a:t>Los Angeles won 7 (2 lakers , 2 Kings ,  3 Galaxy)</a:t>
+              <a:t>Los Angeles won 7 (</a:t>
+            </a:r>
+            <a:r>
+              <a:rPr lang="en-US" sz="1400"/>
+              <a:t>2 Lakers </a:t>
+            </a:r>
+            <a:r>
+              <a:rPr lang="en-US" sz="1400" dirty="0"/>
+              <a:t>, 2 Kings ,  3 Galaxy)</a:t>
             </a:r>
           </a:p>
           <a:p>
@@ -8580,11 +8588,7 @@
             </a:pPr>
             <a:r>
               <a:rPr lang="en-US" sz="1400" dirty="0"/>
-              <a:t>San Francois won 6 (3 Giants </a:t>
-            </a:r>
-            <a:r>
-              <a:rPr lang="en-US" sz="1400"/>
-              <a:t>, 3Warriors)</a:t>
+              <a:t>San Francisco won 6 (3 Giants , 3Warriors)</a:t>
             </a:r>
             <a:endParaRPr lang="en-US" sz="1600" dirty="0"/>
           </a:p>
@@ -8682,7 +8686,7 @@
         </p:nvSpPr>
         <p:spPr>
           <a:xfrm>
-            <a:off x="311700" y="410000"/>
+            <a:off x="311700" y="405003"/>
             <a:ext cx="8520600" cy="607800"/>
           </a:xfrm>
           <a:prstGeom prst="rect">
@@ -8705,13 +8709,185 @@
               <a:buNone/>
             </a:pPr>
             <a:r>
-              <a:rPr lang="en"/>
+              <a:rPr lang="en" dirty="0"/>
               <a:t>Conclusion </a:t>
             </a:r>
-            <a:endParaRPr/>
+            <a:endParaRPr dirty="0"/>
           </a:p>
         </p:txBody>
       </p:sp>
+      <p:sp>
+        <p:nvSpPr>
+          <p:cNvPr id="2" name="Google Shape;99;p15">
+            <a:extLst>
+              <a:ext uri="{FF2B5EF4-FFF2-40B4-BE49-F238E27FC236}">
+                <a16:creationId xmlns:a16="http://schemas.microsoft.com/office/drawing/2014/main" id="{7C6964E6-940B-8634-0825-09E297613B5C}"/>
+              </a:ext>
+            </a:extLst>
+          </p:cNvPr>
+          <p:cNvSpPr txBox="1">
+            <a:spLocks noGrp="1"/>
+          </p:cNvSpPr>
+          <p:nvPr>
+            <p:ph type="body" idx="1"/>
+          </p:nvPr>
+        </p:nvSpPr>
+        <p:spPr>
+          <a:xfrm>
+            <a:off x="135807" y="1297616"/>
+            <a:ext cx="7981200" cy="3885000"/>
+          </a:xfrm>
+          <a:prstGeom prst="rect">
+            <a:avLst/>
+          </a:prstGeom>
+        </p:spPr>
+        <p:txBody>
+          <a:bodyPr spcFirstLastPara="1" wrap="square" lIns="91425" tIns="91425" rIns="91425" bIns="91425" anchor="t" anchorCtr="0">
+            <a:noAutofit/>
+          </a:bodyPr>
+          <a:lstStyle/>
+          <a:p>
+            <a:pPr marL="0" lvl="0" indent="0" algn="l" rtl="0">
+              <a:spcBef>
+                <a:spcPts val="0"/>
+              </a:spcBef>
+              <a:spcAft>
+                <a:spcPts val="0"/>
+              </a:spcAft>
+              <a:buNone/>
+            </a:pPr>
+            <a:r>
+              <a:rPr lang="en-CA" sz="1400" dirty="0"/>
+              <a:t>Results from Analysis:</a:t>
+            </a:r>
+            <a:endParaRPr sz="1400" dirty="0"/>
+          </a:p>
+          <a:p>
+            <a:pPr marL="457200" lvl="0" indent="-317500" algn="l" rtl="0">
+              <a:spcBef>
+                <a:spcPts val="1600"/>
+              </a:spcBef>
+              <a:spcAft>
+                <a:spcPts val="0"/>
+              </a:spcAft>
+              <a:buSzPts val="1400"/>
+              <a:buChar char="●"/>
+            </a:pPr>
+            <a:r>
+              <a:rPr lang="en-CA" sz="1400" dirty="0"/>
+              <a:t>Best Timeline of Sports: 2008 - 2018</a:t>
+            </a:r>
+          </a:p>
+          <a:p>
+            <a:pPr marL="457200" lvl="0" indent="-317500" algn="l" rtl="0">
+              <a:spcBef>
+                <a:spcPts val="1600"/>
+              </a:spcBef>
+              <a:spcAft>
+                <a:spcPts val="0"/>
+              </a:spcAft>
+              <a:buSzPts val="1400"/>
+              <a:buChar char="●"/>
+            </a:pPr>
+            <a:r>
+              <a:rPr lang="en-CA" sz="1400" dirty="0"/>
+              <a:t>State with the Most Titles in the Timeline: California</a:t>
+            </a:r>
+          </a:p>
+          <a:p>
+            <a:pPr marL="457200" lvl="0" indent="-317500" algn="l" rtl="0">
+              <a:spcBef>
+                <a:spcPts val="1600"/>
+              </a:spcBef>
+              <a:spcAft>
+                <a:spcPts val="0"/>
+              </a:spcAft>
+              <a:buSzPts val="1400"/>
+              <a:buChar char="●"/>
+            </a:pPr>
+            <a:r>
+              <a:rPr lang="en-CA" sz="1400" dirty="0"/>
+              <a:t>City with the Most Titles in the State: Greater Los Angeles</a:t>
+            </a:r>
+          </a:p>
+          <a:p>
+            <a:pPr marL="0" indent="0">
+              <a:spcBef>
+                <a:spcPts val="1600"/>
+              </a:spcBef>
+              <a:buNone/>
+            </a:pPr>
+            <a:endParaRPr lang="en" sz="2400" dirty="0"/>
+          </a:p>
+          <a:p>
+            <a:pPr marL="342900">
+              <a:spcBef>
+                <a:spcPts val="1600"/>
+              </a:spcBef>
+            </a:pPr>
+            <a:endParaRPr lang="en" sz="2000" dirty="0"/>
+          </a:p>
+          <a:p>
+            <a:pPr marL="0" indent="0">
+              <a:spcBef>
+                <a:spcPts val="1600"/>
+              </a:spcBef>
+              <a:spcAft>
+                <a:spcPts val="1600"/>
+              </a:spcAft>
+              <a:buNone/>
+            </a:pPr>
+            <a:endParaRPr dirty="0"/>
+          </a:p>
+        </p:txBody>
+      </p:sp>
+      <p:pic>
+        <p:nvPicPr>
+          <p:cNvPr id="1028" name="Picture 4" descr="Why does Los Angeles have so many professional sports teams, and multiple  teams in the same league? - Quora">
+            <a:extLst>
+              <a:ext uri="{FF2B5EF4-FFF2-40B4-BE49-F238E27FC236}">
+                <a16:creationId xmlns:a16="http://schemas.microsoft.com/office/drawing/2014/main" id="{5E3ADA52-D77C-896E-B0E5-EB0CCA5E57E7}"/>
+              </a:ext>
+            </a:extLst>
+          </p:cNvPr>
+          <p:cNvPicPr>
+            <a:picLocks noChangeAspect="1" noChangeArrowheads="1"/>
+          </p:cNvPicPr>
+          <p:nvPr/>
+        </p:nvPicPr>
+        <p:blipFill>
+          <a:blip r:embed="rId3">
+            <a:extLst>
+              <a:ext uri="{28A0092B-C50C-407E-A947-70E740481C1C}">
+                <a14:useLocalDpi xmlns:a14="http://schemas.microsoft.com/office/drawing/2010/main" val="0"/>
+              </a:ext>
+            </a:extLst>
+          </a:blip>
+          <a:srcRect/>
+          <a:stretch>
+            <a:fillRect/>
+          </a:stretch>
+        </p:blipFill>
+        <p:spPr bwMode="auto">
+          <a:xfrm>
+            <a:off x="5734387" y="1012803"/>
+            <a:ext cx="3198657" cy="2183801"/>
+          </a:xfrm>
+          <a:prstGeom prst="rect">
+            <a:avLst/>
+          </a:prstGeom>
+          <a:noFill/>
+          <a:extLst>
+            <a:ext uri="{909E8E84-426E-40DD-AFC4-6F175D3DCCD1}">
+              <a14:hiddenFill xmlns:a14="http://schemas.microsoft.com/office/drawing/2010/main">
+                <a:solidFill>
+                  <a:srgbClr val="FFFFFF"/>
+                </a:solidFill>
+              </a14:hiddenFill>
+            </a:ext>
+          </a:extLst>
+        </p:spPr>
+      </p:pic>
     </p:spTree>
   </p:cSld>
   <p:clrMapOvr>

--- a/Project_3_Presentation_Deck.pptx
+++ b/Project_3_Presentation_Deck.pptx
@@ -7932,7 +7932,7 @@
             </a:r>
             <a:r>
               <a:rPr lang="en-CA" sz="1400" dirty="0"/>
-              <a:t> champion  raised</a:t>
+              <a:t> champion raised</a:t>
             </a:r>
           </a:p>
           <a:p>
